--- a/週報/PWM制御について.pptx
+++ b/週報/PWM制御について.pptx
@@ -263,7 +263,7 @@
           <a:p>
             <a:fld id="{5B9251C7-7A0E-4B43-B30F-7D6BA2B236AE}" type="datetimeFigureOut">
               <a:rPr kumimoji="1" lang="ja-JP" altLang="en-US" smtClean="0"/>
-              <a:t>2021/12/6</a:t>
+              <a:t>2021/12/21</a:t>
             </a:fld>
             <a:endParaRPr kumimoji="1" lang="ja-JP" altLang="en-US"/>
           </a:p>
@@ -493,7 +493,7 @@
           <a:p>
             <a:fld id="{5B9251C7-7A0E-4B43-B30F-7D6BA2B236AE}" type="datetimeFigureOut">
               <a:rPr kumimoji="1" lang="ja-JP" altLang="en-US" smtClean="0"/>
-              <a:t>2021/12/6</a:t>
+              <a:t>2021/12/21</a:t>
             </a:fld>
             <a:endParaRPr kumimoji="1" lang="ja-JP" altLang="en-US"/>
           </a:p>
@@ -733,7 +733,7 @@
           <a:p>
             <a:fld id="{5B9251C7-7A0E-4B43-B30F-7D6BA2B236AE}" type="datetimeFigureOut">
               <a:rPr kumimoji="1" lang="ja-JP" altLang="en-US" smtClean="0"/>
-              <a:t>2021/12/6</a:t>
+              <a:t>2021/12/21</a:t>
             </a:fld>
             <a:endParaRPr kumimoji="1" lang="ja-JP" altLang="en-US"/>
           </a:p>
@@ -963,7 +963,7 @@
           <a:p>
             <a:fld id="{5B9251C7-7A0E-4B43-B30F-7D6BA2B236AE}" type="datetimeFigureOut">
               <a:rPr kumimoji="1" lang="ja-JP" altLang="en-US" smtClean="0"/>
-              <a:t>2021/12/6</a:t>
+              <a:t>2021/12/21</a:t>
             </a:fld>
             <a:endParaRPr kumimoji="1" lang="ja-JP" altLang="en-US"/>
           </a:p>
@@ -1238,7 +1238,7 @@
           <a:p>
             <a:fld id="{5B9251C7-7A0E-4B43-B30F-7D6BA2B236AE}" type="datetimeFigureOut">
               <a:rPr kumimoji="1" lang="ja-JP" altLang="en-US" smtClean="0"/>
-              <a:t>2021/12/6</a:t>
+              <a:t>2021/12/21</a:t>
             </a:fld>
             <a:endParaRPr kumimoji="1" lang="ja-JP" altLang="en-US"/>
           </a:p>
@@ -1567,7 +1567,7 @@
           <a:p>
             <a:fld id="{5B9251C7-7A0E-4B43-B30F-7D6BA2B236AE}" type="datetimeFigureOut">
               <a:rPr kumimoji="1" lang="ja-JP" altLang="en-US" smtClean="0"/>
-              <a:t>2021/12/6</a:t>
+              <a:t>2021/12/21</a:t>
             </a:fld>
             <a:endParaRPr kumimoji="1" lang="ja-JP" altLang="en-US"/>
           </a:p>
@@ -2043,7 +2043,7 @@
           <a:p>
             <a:fld id="{5B9251C7-7A0E-4B43-B30F-7D6BA2B236AE}" type="datetimeFigureOut">
               <a:rPr kumimoji="1" lang="ja-JP" altLang="en-US" smtClean="0"/>
-              <a:t>2021/12/6</a:t>
+              <a:t>2021/12/21</a:t>
             </a:fld>
             <a:endParaRPr kumimoji="1" lang="ja-JP" altLang="en-US"/>
           </a:p>
@@ -2184,7 +2184,7 @@
           <a:p>
             <a:fld id="{5B9251C7-7A0E-4B43-B30F-7D6BA2B236AE}" type="datetimeFigureOut">
               <a:rPr kumimoji="1" lang="ja-JP" altLang="en-US" smtClean="0"/>
-              <a:t>2021/12/6</a:t>
+              <a:t>2021/12/21</a:t>
             </a:fld>
             <a:endParaRPr kumimoji="1" lang="ja-JP" altLang="en-US"/>
           </a:p>
@@ -2297,7 +2297,7 @@
           <a:p>
             <a:fld id="{5B9251C7-7A0E-4B43-B30F-7D6BA2B236AE}" type="datetimeFigureOut">
               <a:rPr kumimoji="1" lang="ja-JP" altLang="en-US" smtClean="0"/>
-              <a:t>2021/12/6</a:t>
+              <a:t>2021/12/21</a:t>
             </a:fld>
             <a:endParaRPr kumimoji="1" lang="ja-JP" altLang="en-US"/>
           </a:p>
@@ -2640,7 +2640,7 @@
           <a:p>
             <a:fld id="{5B9251C7-7A0E-4B43-B30F-7D6BA2B236AE}" type="datetimeFigureOut">
               <a:rPr kumimoji="1" lang="ja-JP" altLang="en-US" smtClean="0"/>
-              <a:t>2021/12/6</a:t>
+              <a:t>2021/12/21</a:t>
             </a:fld>
             <a:endParaRPr kumimoji="1" lang="ja-JP" altLang="en-US"/>
           </a:p>
@@ -2928,7 +2928,7 @@
           <a:p>
             <a:fld id="{5B9251C7-7A0E-4B43-B30F-7D6BA2B236AE}" type="datetimeFigureOut">
               <a:rPr kumimoji="1" lang="ja-JP" altLang="en-US" smtClean="0"/>
-              <a:t>2021/12/6</a:t>
+              <a:t>2021/12/21</a:t>
             </a:fld>
             <a:endParaRPr kumimoji="1" lang="ja-JP" altLang="en-US"/>
           </a:p>
@@ -3201,7 +3201,7 @@
           <a:p>
             <a:fld id="{5B9251C7-7A0E-4B43-B30F-7D6BA2B236AE}" type="datetimeFigureOut">
               <a:rPr kumimoji="1" lang="ja-JP" altLang="en-US" smtClean="0"/>
-              <a:t>2021/12/6</a:t>
+              <a:t>2021/12/21</a:t>
             </a:fld>
             <a:endParaRPr kumimoji="1" lang="ja-JP" altLang="en-US"/>
           </a:p>
